--- a/BibleVerses.pptx
+++ b/BibleVerses.pptx
@@ -908,7 +908,7 @@
                 <a:ea typeface="Arial" pitchFamily="34" charset="-122"/>
                 <a:cs typeface="Arial" pitchFamily="34" charset="-120"/>
               </a:rPr>
-              <a:t>இறைவனுடைய சித்தத்தினால், கிறிஸ்து இயேசுவின் அப்போஸ்தலனான பவுலாகிய நானும்,</a:t>
+              <a:t>Hello</a:t>
             </a:r>
             <a:endParaRPr lang="en-US" sz="2400" dirty="0"/>
           </a:p>
@@ -947,7 +947,7 @@
                 <a:ea typeface="Arial" pitchFamily="34" charset="-122"/>
                 <a:cs typeface="Arial" pitchFamily="34" charset="-120"/>
               </a:rPr>
-              <a:t>Now there was a certain man of Ramathaim-zophim, of the hill-country of Ephraim, and his name was Elkanah, the son of Jeroham, the son of Elihu, the son of Tohu, the son of Zuph, an Ephraimite:</a:t>
+              <a:t>Hello</a:t>
             </a:r>
             <a:endParaRPr lang="en-US" sz="2000" dirty="0"/>
           </a:p>
